--- a/Презентация проекта (1).pptx
+++ b/Презентация проекта (1).pptx
@@ -222,7 +222,7 @@
           <a:p>
             <a:fld id="{B04DCA98-92C0-4F48-89D1-3FD303C7CE35}" type="datetimeFigureOut">
               <a:rPr lang="ru-RU" smtClean="0"/>
-              <a:t>08.07.2022</a:t>
+              <a:t>13.07.2022</a:t>
             </a:fld>
             <a:endParaRPr lang="ru-RU"/>
           </a:p>
@@ -711,7 +711,7 @@
             </a:pPr>
             <a:fld id="{F9A2CB3F-9E6C-4531-82DF-EF260906E9D5}" type="datetimeFigureOut">
               <a:rPr lang="ru-RU"/>
-              <a:t>08.07.2022</a:t>
+              <a:t>13.07.2022</a:t>
             </a:fld>
             <a:endParaRPr lang="ru-RU"/>
           </a:p>
@@ -900,7 +900,7 @@
             </a:pPr>
             <a:fld id="{F9A2CB3F-9E6C-4531-82DF-EF260906E9D5}" type="datetimeFigureOut">
               <a:rPr lang="ru-RU"/>
-              <a:t>08.07.2022</a:t>
+              <a:t>13.07.2022</a:t>
             </a:fld>
             <a:endParaRPr lang="ru-RU"/>
           </a:p>
@@ -1099,7 +1099,7 @@
             </a:pPr>
             <a:fld id="{F9A2CB3F-9E6C-4531-82DF-EF260906E9D5}" type="datetimeFigureOut">
               <a:rPr lang="ru-RU"/>
-              <a:t>08.07.2022</a:t>
+              <a:t>13.07.2022</a:t>
             </a:fld>
             <a:endParaRPr lang="ru-RU"/>
           </a:p>
@@ -1318,7 +1318,7 @@
             </a:pPr>
             <a:fld id="{1D8BD707-D9CF-40AE-B4C6-C98DA3205C09}" type="datetimeFigureOut">
               <a:rPr lang="en-US"/>
-              <a:t>7/8/2022</a:t>
+              <a:t>7/13/2022</a:t>
             </a:fld>
             <a:endParaRPr lang="en-US"/>
           </a:p>
@@ -1923,7 +1923,7 @@
             </a:pPr>
             <a:fld id="{1D8BD707-D9CF-40AE-B4C6-C98DA3205C09}" type="datetimeFigureOut">
               <a:rPr lang="en-US"/>
-              <a:t>7/8/2022</a:t>
+              <a:t>7/13/2022</a:t>
             </a:fld>
             <a:endParaRPr lang="en-US"/>
           </a:p>
@@ -2126,7 +2126,7 @@
             </a:pPr>
             <a:fld id="{1D8BD707-D9CF-40AE-B4C6-C98DA3205C09}" type="datetimeFigureOut">
               <a:rPr lang="en-US"/>
-              <a:t>7/8/2022</a:t>
+              <a:t>7/13/2022</a:t>
             </a:fld>
             <a:endParaRPr lang="en-US"/>
           </a:p>
@@ -2547,7 +2547,7 @@
             </a:pPr>
             <a:fld id="{1D8BD707-D9CF-40AE-B4C6-C98DA3205C09}" type="datetimeFigureOut">
               <a:rPr lang="en-US"/>
-              <a:t>7/8/2022</a:t>
+              <a:t>7/13/2022</a:t>
             </a:fld>
             <a:endParaRPr lang="en-US"/>
           </a:p>
@@ -2690,7 +2690,7 @@
             </a:pPr>
             <a:fld id="{1D8BD707-D9CF-40AE-B4C6-C98DA3205C09}" type="datetimeFigureOut">
               <a:rPr lang="en-US"/>
-              <a:t>7/8/2022</a:t>
+              <a:t>7/13/2022</a:t>
             </a:fld>
             <a:endParaRPr lang="en-US"/>
           </a:p>
@@ -2879,7 +2879,7 @@
             </a:pPr>
             <a:fld id="{F9A2CB3F-9E6C-4531-82DF-EF260906E9D5}" type="datetimeFigureOut">
               <a:rPr lang="ru-RU"/>
-              <a:t>08.07.2022</a:t>
+              <a:t>13.07.2022</a:t>
             </a:fld>
             <a:endParaRPr lang="ru-RU"/>
           </a:p>
@@ -3058,7 +3058,7 @@
             </a:pPr>
             <a:fld id="{1D8BD707-D9CF-40AE-B4C6-C98DA3205C09}" type="datetimeFigureOut">
               <a:rPr lang="en-US"/>
-              <a:t>7/8/2022</a:t>
+              <a:t>7/13/2022</a:t>
             </a:fld>
             <a:endParaRPr lang="en-US"/>
           </a:p>
@@ -3266,7 +3266,7 @@
             </a:pPr>
             <a:fld id="{1D8BD707-D9CF-40AE-B4C6-C98DA3205C09}" type="datetimeFigureOut">
               <a:rPr lang="en-US"/>
-              <a:t>7/8/2022</a:t>
+              <a:t>7/13/2022</a:t>
             </a:fld>
             <a:endParaRPr lang="en-US"/>
           </a:p>
@@ -3437,7 +3437,7 @@
             </a:pPr>
             <a:fld id="{1D8BD707-D9CF-40AE-B4C6-C98DA3205C09}" type="datetimeFigureOut">
               <a:rPr lang="en-US"/>
-              <a:t>7/8/2022</a:t>
+              <a:t>7/13/2022</a:t>
             </a:fld>
             <a:endParaRPr lang="en-US"/>
           </a:p>
@@ -3691,7 +3691,7 @@
             </a:pPr>
             <a:fld id="{1D8BD707-D9CF-40AE-B4C6-C98DA3205C09}" type="datetimeFigureOut">
               <a:rPr lang="en-US"/>
-              <a:t>7/8/2022</a:t>
+              <a:t>7/13/2022</a:t>
             </a:fld>
             <a:endParaRPr lang="en-US"/>
           </a:p>
@@ -3800,7 +3800,7 @@
             </a:pPr>
             <a:fld id="{1D8BD707-D9CF-40AE-B4C6-C98DA3205C09}" type="datetimeFigureOut">
               <a:rPr lang="en-US"/>
-              <a:t>7/8/2022</a:t>
+              <a:t>7/13/2022</a:t>
             </a:fld>
             <a:endParaRPr lang="en-US"/>
           </a:p>
@@ -3991,7 +3991,7 @@
             </a:pPr>
             <a:fld id="{1D8BD707-D9CF-40AE-B4C6-C98DA3205C09}" type="datetimeFigureOut">
               <a:rPr lang="en-US"/>
-              <a:t>7/8/2022</a:t>
+              <a:t>7/13/2022</a:t>
             </a:fld>
             <a:endParaRPr lang="en-US"/>
           </a:p>
@@ -4090,7 +4090,7 @@
             </a:pPr>
             <a:fld id="{1D8BD707-D9CF-40AE-B4C6-C98DA3205C09}" type="datetimeFigureOut">
               <a:rPr lang="en-US"/>
-              <a:t>7/8/2022</a:t>
+              <a:t>7/13/2022</a:t>
             </a:fld>
             <a:endParaRPr lang="en-US"/>
           </a:p>
@@ -4232,7 +4232,7 @@
             </a:pPr>
             <a:fld id="{1D8BD707-D9CF-40AE-B4C6-C98DA3205C09}" type="datetimeFigureOut">
               <a:rPr lang="en-US"/>
-              <a:t>7/8/2022</a:t>
+              <a:t>7/13/2022</a:t>
             </a:fld>
             <a:endParaRPr lang="en-US"/>
           </a:p>
@@ -4810,7 +4810,7 @@
             </a:pPr>
             <a:fld id="{F9A2CB3F-9E6C-4531-82DF-EF260906E9D5}" type="datetimeFigureOut">
               <a:rPr lang="ru-RU"/>
-              <a:t>08.07.2022</a:t>
+              <a:t>13.07.2022</a:t>
             </a:fld>
             <a:endParaRPr lang="ru-RU"/>
           </a:p>
@@ -5074,7 +5074,7 @@
             </a:pPr>
             <a:fld id="{F9A2CB3F-9E6C-4531-82DF-EF260906E9D5}" type="datetimeFigureOut">
               <a:rPr lang="ru-RU"/>
-              <a:t>08.07.2022</a:t>
+              <a:t>13.07.2022</a:t>
             </a:fld>
             <a:endParaRPr lang="ru-RU"/>
           </a:p>
@@ -5479,7 +5479,7 @@
             </a:pPr>
             <a:fld id="{F9A2CB3F-9E6C-4531-82DF-EF260906E9D5}" type="datetimeFigureOut">
               <a:rPr lang="ru-RU"/>
-              <a:t>08.07.2022</a:t>
+              <a:t>13.07.2022</a:t>
             </a:fld>
             <a:endParaRPr lang="ru-RU"/>
           </a:p>
@@ -5603,7 +5603,7 @@
             </a:pPr>
             <a:fld id="{F9A2CB3F-9E6C-4531-82DF-EF260906E9D5}" type="datetimeFigureOut">
               <a:rPr lang="ru-RU"/>
-              <a:t>08.07.2022</a:t>
+              <a:t>13.07.2022</a:t>
             </a:fld>
             <a:endParaRPr lang="ru-RU"/>
           </a:p>
@@ -5702,7 +5702,7 @@
             </a:pPr>
             <a:fld id="{F9A2CB3F-9E6C-4531-82DF-EF260906E9D5}" type="datetimeFigureOut">
               <a:rPr lang="ru-RU"/>
-              <a:t>08.07.2022</a:t>
+              <a:t>13.07.2022</a:t>
             </a:fld>
             <a:endParaRPr lang="ru-RU"/>
           </a:p>
@@ -6001,7 +6001,7 @@
             </a:pPr>
             <a:fld id="{F9A2CB3F-9E6C-4531-82DF-EF260906E9D5}" type="datetimeFigureOut">
               <a:rPr lang="ru-RU"/>
-              <a:t>08.07.2022</a:t>
+              <a:t>13.07.2022</a:t>
             </a:fld>
             <a:endParaRPr lang="ru-RU"/>
           </a:p>
@@ -6266,7 +6266,7 @@
             </a:pPr>
             <a:fld id="{F9A2CB3F-9E6C-4531-82DF-EF260906E9D5}" type="datetimeFigureOut">
               <a:rPr lang="ru-RU"/>
-              <a:t>08.07.2022</a:t>
+              <a:t>13.07.2022</a:t>
             </a:fld>
             <a:endParaRPr lang="ru-RU"/>
           </a:p>
@@ -6498,7 +6498,7 @@
             </a:pPr>
             <a:fld id="{F9A2CB3F-9E6C-4531-82DF-EF260906E9D5}" type="datetimeFigureOut">
               <a:rPr lang="ru-RU"/>
-              <a:t>08.07.2022</a:t>
+              <a:t>13.07.2022</a:t>
             </a:fld>
             <a:endParaRPr lang="ru-RU"/>
           </a:p>
@@ -6996,7 +6996,7 @@
             </a:pPr>
             <a:fld id="{1D8BD707-D9CF-40AE-B4C6-C98DA3205C09}" type="datetimeFigureOut">
               <a:rPr lang="en-US"/>
-              <a:t>7/8/2022</a:t>
+              <a:t>7/13/2022</a:t>
             </a:fld>
             <a:endParaRPr lang="en-US"/>
           </a:p>
@@ -7324,7 +7324,7 @@
         </p:nvSpPr>
         <p:spPr bwMode="auto">
           <a:xfrm>
-            <a:off x="712971" y="4572000"/>
+            <a:off x="767408" y="4869160"/>
             <a:ext cx="10793228" cy="1720334"/>
           </a:xfrm>
           <a:prstGeom prst="rect">
@@ -7498,6 +7498,59 @@
             </a:lvl9pPr>
           </a:lstStyle>
           <a:p>
+            <a:pPr marL="0" marR="0" lvl="0" indent="0" algn="ctr" defTabSz="360000">
+              <a:lnSpc>
+                <a:spcPct val="100000"/>
+              </a:lnSpc>
+              <a:spcBef>
+                <a:spcPts val="0"/>
+              </a:spcBef>
+              <a:spcAft>
+                <a:spcPts val="0"/>
+              </a:spcAft>
+              <a:buClrTx/>
+              <a:buSzTx/>
+              <a:buFont typeface="Arial"/>
+              <a:buNone/>
+              <a:defRPr/>
+            </a:pPr>
+            <a:r>
+              <a:rPr lang="ru-RU" b="0" i="0" u="none" strike="noStrike" cap="none" spc="0" dirty="0">
+                <a:ln>
+                  <a:noFill/>
+                </a:ln>
+                <a:solidFill>
+                  <a:srgbClr val="333F48"/>
+                </a:solidFill>
+                <a:latin typeface="SB Sans Text Light"/>
+                <a:ea typeface="+mn-ea"/>
+                <a:cs typeface="SB Sans Text Light"/>
+              </a:rPr>
+              <a:t>Студент: </a:t>
+            </a:r>
+            <a:r>
+              <a:rPr lang="ru-RU" dirty="0" smtClean="0">
+                <a:solidFill>
+                  <a:srgbClr val="333F48"/>
+                </a:solidFill>
+                <a:latin typeface="SB Sans Text Light"/>
+                <a:cs typeface="SB Sans Text Light"/>
+              </a:rPr>
+              <a:t>Широков Филипп Владимирович</a:t>
+            </a:r>
+            <a:endParaRPr lang="ru-RU" b="0" i="0" u="none" strike="noStrike" cap="none" spc="0" dirty="0">
+              <a:ln>
+                <a:noFill/>
+              </a:ln>
+              <a:solidFill>
+                <a:srgbClr val="333F48"/>
+              </a:solidFill>
+              <a:latin typeface="SB Sans Text Light"/>
+              <a:ea typeface="+mn-ea"/>
+              <a:cs typeface="SB Sans Text Light"/>
+            </a:endParaRPr>
+          </a:p>
+          <a:p>
             <a:pPr marL="0" marR="0" lvl="0" indent="0" algn="l" defTabSz="360000">
               <a:lnSpc>
                 <a:spcPct val="100000"/>
@@ -7526,59 +7579,6 @@
                 <a:ea typeface="+mn-ea"/>
                 <a:cs typeface="SB Sans Text Light"/>
               </a:rPr>
-              <a:t>Студент: </a:t>
-            </a:r>
-            <a:r>
-              <a:rPr lang="ru-RU" dirty="0" smtClean="0">
-                <a:solidFill>
-                  <a:srgbClr val="333F48"/>
-                </a:solidFill>
-                <a:latin typeface="SB Sans Text Light"/>
-                <a:cs typeface="SB Sans Text Light"/>
-              </a:rPr>
-              <a:t>Широков Филипп Владимирович</a:t>
-            </a:r>
-            <a:endParaRPr lang="ru-RU" b="0" i="0" u="none" strike="noStrike" cap="none" spc="0" dirty="0">
-              <a:ln>
-                <a:noFill/>
-              </a:ln>
-              <a:solidFill>
-                <a:srgbClr val="333F48"/>
-              </a:solidFill>
-              <a:latin typeface="SB Sans Text Light"/>
-              <a:ea typeface="+mn-ea"/>
-              <a:cs typeface="SB Sans Text Light"/>
-            </a:endParaRPr>
-          </a:p>
-          <a:p>
-            <a:pPr marL="0" marR="0" lvl="0" indent="0" algn="l" defTabSz="360000">
-              <a:lnSpc>
-                <a:spcPct val="100000"/>
-              </a:lnSpc>
-              <a:spcBef>
-                <a:spcPts val="0"/>
-              </a:spcBef>
-              <a:spcAft>
-                <a:spcPts val="0"/>
-              </a:spcAft>
-              <a:buClrTx/>
-              <a:buSzTx/>
-              <a:buFont typeface="Arial"/>
-              <a:buNone/>
-              <a:defRPr/>
-            </a:pPr>
-            <a:r>
-              <a:rPr lang="ru-RU" b="0" i="0" u="none" strike="noStrike" cap="none" spc="0" dirty="0">
-                <a:ln>
-                  <a:noFill/>
-                </a:ln>
-                <a:solidFill>
-                  <a:srgbClr val="333F48"/>
-                </a:solidFill>
-                <a:latin typeface="SB Sans Text Light"/>
-                <a:ea typeface="+mn-ea"/>
-                <a:cs typeface="SB Sans Text Light"/>
-              </a:rPr>
               <a:t>                </a:t>
             </a:r>
             <a:endParaRPr lang="ru-RU" sz="1600" b="0" i="0" u="none" strike="noStrike" cap="none" spc="0" dirty="0">
@@ -7595,35 +7595,6 @@
           </a:p>
         </p:txBody>
       </p:sp>
-      <p:pic>
-        <p:nvPicPr>
-          <p:cNvPr id="6" name="Рисунок 5">
-            <a:extLst>
-              <a:ext uri="{FF2B5EF4-FFF2-40B4-BE49-F238E27FC236}">
-                <a16:creationId xmlns:a16="http://schemas.microsoft.com/office/drawing/2014/main" id="{FBE6ED87-35B9-4D44-BD5E-D3A5BFABF05B}"/>
-              </a:ext>
-            </a:extLst>
-          </p:cNvPr>
-          <p:cNvPicPr>
-            <a:picLocks noChangeAspect="1"/>
-          </p:cNvPicPr>
-          <p:nvPr/>
-        </p:nvPicPr>
-        <p:blipFill>
-          <a:blip r:embed="rId2"/>
-          <a:srcRect l="21533"/>
-          <a:stretch/>
-        </p:blipFill>
-        <p:spPr bwMode="auto">
-          <a:xfrm rot="16199999">
-            <a:off x="320246" y="4318253"/>
-            <a:ext cx="1464205" cy="1866025"/>
-          </a:xfrm>
-          <a:prstGeom prst="rect">
-            <a:avLst/>
-          </a:prstGeom>
-        </p:spPr>
-      </p:pic>
       <p:sp>
         <p:nvSpPr>
           <p:cNvPr id="7" name="TextBox 35">
@@ -7726,7 +7697,7 @@
           </a:bodyPr>
           <a:lstStyle/>
           <a:p>
-            <a:pPr lvl="0">
+            <a:pPr lvl="0" algn="ctr">
               <a:defRPr/>
             </a:pPr>
             <a:r>
@@ -7737,17 +7708,7 @@
                 <a:latin typeface="SB Sans Display Semibold"/>
                 <a:cs typeface="SB Sans Display Semibold"/>
               </a:rPr>
-              <a:t>Курсовая работа – Сервис работы с </a:t>
-            </a:r>
-            <a:r>
-              <a:rPr lang="ru-RU" sz="4000" i="1" dirty="0" smtClean="0">
-                <a:solidFill>
-                  <a:srgbClr val="333F48"/>
-                </a:solidFill>
-                <a:latin typeface="SB Sans Display Semibold"/>
-                <a:cs typeface="SB Sans Display Semibold"/>
-              </a:rPr>
-              <a:t>базой банковских карт</a:t>
+              <a:t>Курсовая работа – Сервис работы с базой банковских карт</a:t>
             </a:r>
             <a:endParaRPr lang="ru-RU" sz="4000" b="1" dirty="0"/>
           </a:p>
@@ -9868,20 +9829,7 @@
                 <a:effectLst/>
                 <a:latin typeface="JetBrains Mono"/>
               </a:rPr>
-              <a:t>(JsonElement </a:t>
-            </a:r>
-            <a:r>
-              <a:rPr kumimoji="0" lang="ru-RU" altLang="ru-RU" sz="1600" b="0" i="0" u="none" strike="noStrike" cap="none" normalizeH="0" baseline="0" dirty="0" smtClean="0">
-                <a:ln>
-                  <a:noFill/>
-                </a:ln>
-                <a:solidFill>
-                  <a:srgbClr val="A9B7C6"/>
-                </a:solidFill>
-                <a:effectLst/>
-                <a:latin typeface="JetBrains Mono"/>
-              </a:rPr>
-              <a:t>jsonElement</a:t>
+              <a:t>(JsonElement jsonElement</a:t>
             </a:r>
             <a:r>
               <a:rPr kumimoji="0" lang="ru-RU" altLang="ru-RU" sz="1600" b="0" i="0" u="none" strike="noStrike" cap="none" normalizeH="0" baseline="0" dirty="0" smtClean="0">
@@ -9907,20 +9855,7 @@
                 <a:effectLst/>
                 <a:latin typeface="JetBrains Mono"/>
               </a:rPr>
-              <a:t>Type </a:t>
-            </a:r>
-            <a:r>
-              <a:rPr kumimoji="0" lang="ru-RU" altLang="ru-RU" sz="1600" b="0" i="0" u="none" strike="noStrike" cap="none" normalizeH="0" baseline="0" dirty="0" smtClean="0">
-                <a:ln>
-                  <a:noFill/>
-                </a:ln>
-                <a:solidFill>
-                  <a:srgbClr val="A9B7C6"/>
-                </a:solidFill>
-                <a:effectLst/>
-                <a:latin typeface="JetBrains Mono"/>
-              </a:rPr>
-              <a:t>type</a:t>
+              <a:t>Type type</a:t>
             </a:r>
             <a:r>
               <a:rPr kumimoji="0" lang="ru-RU" altLang="ru-RU" sz="1600" b="0" i="0" u="none" strike="noStrike" cap="none" normalizeH="0" baseline="0" dirty="0" smtClean="0">
@@ -9997,33 +9932,7 @@
                 <a:effectLst/>
                 <a:latin typeface="JetBrains Mono"/>
               </a:rPr>
-              <a:t>        JsonObject </a:t>
-            </a:r>
-            <a:r>
-              <a:rPr kumimoji="0" lang="ru-RU" altLang="ru-RU" sz="1600" b="0" i="0" u="none" strike="noStrike" cap="none" normalizeH="0" baseline="0" dirty="0" smtClean="0">
-                <a:ln>
-                  <a:noFill/>
-                </a:ln>
-                <a:solidFill>
-                  <a:srgbClr val="A9B7C6"/>
-                </a:solidFill>
-                <a:effectLst/>
-                <a:latin typeface="JetBrains Mono"/>
-              </a:rPr>
-              <a:t>jsonObject</a:t>
-            </a:r>
-            <a:r>
-              <a:rPr kumimoji="0" lang="ru-RU" altLang="ru-RU" sz="1600" b="0" i="0" u="none" strike="noStrike" cap="none" normalizeH="0" baseline="0" dirty="0" smtClean="0">
-                <a:ln>
-                  <a:noFill/>
-                </a:ln>
-                <a:solidFill>
-                  <a:srgbClr val="A9B7C6"/>
-                </a:solidFill>
-                <a:effectLst/>
-                <a:latin typeface="JetBrains Mono"/>
-              </a:rPr>
-              <a:t> = jsonElement.getAsJsonObject()</a:t>
+              <a:t>        JsonObject jsonObject = jsonElement.getAsJsonObject()</a:t>
             </a:r>
             <a:r>
               <a:rPr kumimoji="0" lang="ru-RU" altLang="ru-RU" sz="1600" b="0" i="0" u="none" strike="noStrike" cap="none" normalizeH="0" baseline="0" dirty="0" smtClean="0">
@@ -10074,33 +9983,7 @@
                 <a:effectLst/>
                 <a:latin typeface="JetBrains Mono"/>
               </a:rPr>
-              <a:t>Card </a:t>
-            </a:r>
-            <a:r>
-              <a:rPr kumimoji="0" lang="ru-RU" altLang="ru-RU" sz="1600" b="0" i="0" u="none" strike="noStrike" cap="none" normalizeH="0" baseline="0" dirty="0" smtClean="0">
-                <a:ln>
-                  <a:noFill/>
-                </a:ln>
-                <a:solidFill>
-                  <a:srgbClr val="A9B7C6"/>
-                </a:solidFill>
-                <a:effectLst/>
-                <a:latin typeface="JetBrains Mono"/>
-              </a:rPr>
-              <a:t>card</a:t>
-            </a:r>
-            <a:r>
-              <a:rPr kumimoji="0" lang="ru-RU" altLang="ru-RU" sz="1600" b="0" i="0" u="none" strike="noStrike" cap="none" normalizeH="0" baseline="0" dirty="0" smtClean="0">
-                <a:ln>
-                  <a:noFill/>
-                </a:ln>
-                <a:solidFill>
-                  <a:srgbClr val="A9B7C6"/>
-                </a:solidFill>
-                <a:effectLst/>
-                <a:latin typeface="JetBrains Mono"/>
-              </a:rPr>
-              <a:t> = </a:t>
+              <a:t>Card card = </a:t>
             </a:r>
             <a:r>
               <a:rPr kumimoji="0" lang="ru-RU" altLang="ru-RU" sz="1600" b="0" i="0" u="none" strike="noStrike" cap="none" normalizeH="0" baseline="0" dirty="0" smtClean="0">
@@ -13060,8 +12943,8 @@
         </p:nvSpPr>
         <p:spPr bwMode="auto">
           <a:xfrm>
-            <a:off x="6939978" y="117106"/>
-            <a:ext cx="5348710" cy="2438400"/>
+            <a:off x="18672" y="83310"/>
+            <a:ext cx="12192000" cy="2550132"/>
           </a:xfrm>
           <a:prstGeom prst="rect">
             <a:avLst/>
@@ -13089,7 +12972,7 @@
             </a:lvl1pPr>
           </a:lstStyle>
           <a:p>
-            <a:pPr>
+            <a:pPr algn="ctr">
               <a:lnSpc>
                 <a:spcPct val="100000"/>
               </a:lnSpc>
@@ -13114,21 +12997,31 @@
             </a:endParaRPr>
           </a:p>
           <a:p>
-            <a:pPr>
+            <a:pPr algn="ctr">
               <a:lnSpc>
                 <a:spcPct val="100000"/>
               </a:lnSpc>
               <a:defRPr/>
             </a:pPr>
             <a:r>
-              <a:rPr lang="ru-RU" sz="2000" i="1" dirty="0" smtClean="0">
+              <a:rPr lang="en-US" sz="2000" i="1" dirty="0" smtClean="0">
                 <a:solidFill>
                   <a:srgbClr val="333F48"/>
                 </a:solidFill>
                 <a:latin typeface="SB Sans Display Light"/>
                 <a:cs typeface="SB Sans Display Light"/>
               </a:rPr>
-              <a:t>Руководитель группы разработчиков</a:t>
+              <a:t>Java – </a:t>
+            </a:r>
+            <a:r>
+              <a:rPr lang="ru-RU" sz="2000" i="1" dirty="0" smtClean="0">
+                <a:solidFill>
+                  <a:srgbClr val="333F48"/>
+                </a:solidFill>
+                <a:latin typeface="SB Sans Display Light"/>
+                <a:cs typeface="SB Sans Display Light"/>
+              </a:rPr>
+              <a:t>школа, 14 поток</a:t>
             </a:r>
             <a:endParaRPr sz="2400" i="1" dirty="0"/>
           </a:p>
@@ -13144,7 +13037,7 @@
         </p:nvSpPr>
         <p:spPr bwMode="auto">
           <a:xfrm>
-            <a:off x="6894178" y="3730342"/>
+            <a:off x="703256" y="4245574"/>
             <a:ext cx="1374507" cy="1015663"/>
           </a:xfrm>
           <a:prstGeom prst="rect">
@@ -13251,7 +13144,7 @@
         </p:blipFill>
         <p:spPr bwMode="auto">
           <a:xfrm rot="16199999">
-            <a:off x="6736997" y="1779851"/>
+            <a:off x="5613931" y="1921827"/>
             <a:ext cx="768257" cy="733293"/>
           </a:xfrm>
           <a:prstGeom prst="rect">
@@ -13275,7 +13168,7 @@
         </p:nvSpPr>
         <p:spPr bwMode="auto">
           <a:xfrm>
-            <a:off x="7896200" y="2047278"/>
+            <a:off x="6773134" y="2189254"/>
             <a:ext cx="3816424" cy="386837"/>
           </a:xfrm>
           <a:prstGeom prst="rect">
@@ -13339,7 +13232,7 @@
         </p:blipFill>
         <p:spPr bwMode="auto">
           <a:xfrm rot="16199999">
-            <a:off x="6813321" y="1076259"/>
+            <a:off x="5690255" y="1218235"/>
             <a:ext cx="672171" cy="733291"/>
           </a:xfrm>
           <a:prstGeom prst="rect">
@@ -13363,7 +13256,7 @@
         </p:nvSpPr>
         <p:spPr bwMode="auto">
           <a:xfrm>
-            <a:off x="7860166" y="1305160"/>
+            <a:off x="6737100" y="1447136"/>
             <a:ext cx="3502449" cy="386837"/>
           </a:xfrm>
           <a:prstGeom prst="rect">
@@ -13420,7 +13313,7 @@
         </p:blipFill>
         <p:spPr bwMode="auto">
           <a:xfrm rot="16199999">
-            <a:off x="6723068" y="2603597"/>
+            <a:off x="5578379" y="3249322"/>
             <a:ext cx="922315" cy="794412"/>
           </a:xfrm>
           <a:prstGeom prst="rect">
@@ -13444,8 +13337,8 @@
         </p:nvSpPr>
         <p:spPr bwMode="auto">
           <a:xfrm>
-            <a:off x="7896200" y="2713643"/>
-            <a:ext cx="4590791" cy="653256"/>
+            <a:off x="6773134" y="2855619"/>
+            <a:ext cx="4590791" cy="1604285"/>
           </a:xfrm>
           <a:prstGeom prst="rect">
             <a:avLst/>
@@ -13503,22 +13396,66 @@
                 <a:latin typeface="SBSansText-Light"/>
                 <a:cs typeface="SBSansText-Light"/>
               </a:rPr>
-              <a:t>ЮФУ Физический факультет</a:t>
-            </a:r>
-            <a:r>
-              <a:rPr lang="ru-RU" sz="2000" spc="-5" dirty="0">
-                <a:latin typeface="SBSansText-Light"/>
-                <a:cs typeface="SBSansText-Light"/>
-              </a:rPr>
-              <a:t> </a:t>
+              <a:t>ЮФУ, </a:t>
             </a:r>
             <a:r>
               <a:rPr lang="ru-RU" sz="2000" spc="-5" dirty="0" smtClean="0">
                 <a:latin typeface="SBSansText-Light"/>
                 <a:cs typeface="SBSansText-Light"/>
               </a:rPr>
-              <a:t>2015</a:t>
-            </a:r>
+              <a:t>Физический </a:t>
+            </a:r>
+            <a:r>
+              <a:rPr lang="ru-RU" sz="2000" spc="-5" dirty="0" smtClean="0">
+                <a:latin typeface="SBSansText-Light"/>
+                <a:cs typeface="SBSansText-Light"/>
+              </a:rPr>
+              <a:t>факультет, </a:t>
+            </a:r>
+            <a:br>
+              <a:rPr lang="ru-RU" sz="2000" spc="-5" dirty="0" smtClean="0">
+                <a:latin typeface="SBSansText-Light"/>
+                <a:cs typeface="SBSansText-Light"/>
+              </a:rPr>
+            </a:br>
+            <a:r>
+              <a:rPr lang="ru-RU" sz="2000" spc="-5" dirty="0" smtClean="0">
+                <a:latin typeface="SBSansText-Light"/>
+                <a:cs typeface="SBSansText-Light"/>
+              </a:rPr>
+              <a:t>кафедра </a:t>
+            </a:r>
+            <a:r>
+              <a:rPr lang="ru-RU" sz="2000" spc="-5" dirty="0" err="1" smtClean="0">
+                <a:latin typeface="SBSansText-Light"/>
+                <a:cs typeface="SBSansText-Light"/>
+              </a:rPr>
+              <a:t>нанотехнологии</a:t>
+            </a:r>
+            <a:r>
+              <a:rPr lang="ru-RU" sz="2000" spc="-5" dirty="0" smtClean="0">
+                <a:latin typeface="SBSansText-Light"/>
+                <a:cs typeface="SBSansText-Light"/>
+              </a:rPr>
+              <a:t> и микросистемной техники,  2015 г.</a:t>
+            </a:r>
+            <a:br>
+              <a:rPr lang="ru-RU" sz="2000" spc="-5" dirty="0" smtClean="0">
+                <a:latin typeface="SBSansText-Light"/>
+                <a:cs typeface="SBSansText-Light"/>
+              </a:rPr>
+            </a:br>
+            <a:r>
+              <a:rPr lang="ru-RU" sz="2000" spc="-5" dirty="0" smtClean="0">
+                <a:latin typeface="SBSansText-Light"/>
+                <a:cs typeface="SBSansText-Light"/>
+              </a:rPr>
+              <a:t>(с отличием)</a:t>
+            </a:r>
+            <a:endParaRPr lang="ru-RU" sz="2000" spc="-5" dirty="0" smtClean="0">
+              <a:latin typeface="SBSansText-Light"/>
+              <a:cs typeface="SBSansText-Light"/>
+            </a:endParaRPr>
           </a:p>
         </p:txBody>
       </p:sp>
@@ -13538,8 +13475,8 @@
         </p:nvSpPr>
         <p:spPr bwMode="auto">
           <a:xfrm>
-            <a:off x="7899802" y="3693922"/>
-            <a:ext cx="4590791" cy="983090"/>
+            <a:off x="1773917" y="4229654"/>
+            <a:ext cx="3241964" cy="970266"/>
           </a:xfrm>
           <a:prstGeom prst="rect">
             <a:avLst/>
@@ -13565,21 +13502,7 @@
                 <a:latin typeface="SBSansText-Light"/>
                 <a:cs typeface="SBSansText-Light"/>
               </a:rPr>
-              <a:t>ФГУП </a:t>
-            </a:r>
-            <a:r>
-              <a:rPr lang="ru-RU" sz="2000" spc="-5" dirty="0" smtClean="0">
-                <a:latin typeface="SBSansText-Light"/>
-                <a:cs typeface="SBSansText-Light"/>
-              </a:rPr>
-              <a:t>«РНИИРС</a:t>
-            </a:r>
-            <a:r>
-              <a:rPr lang="ru-RU" sz="2000" spc="-5" dirty="0" smtClean="0">
-                <a:latin typeface="SBSansText-Light"/>
-                <a:cs typeface="SBSansText-Light"/>
-              </a:rPr>
-              <a:t>»</a:t>
+              <a:t>ФГУП «РНИИРС»</a:t>
             </a:r>
           </a:p>
           <a:p>
@@ -13604,25 +13527,20 @@
                 <a:latin typeface="SBSansText-Light"/>
                 <a:cs typeface="SBSansText-Light"/>
               </a:rPr>
-              <a:t>группы </a:t>
-            </a:r>
-          </a:p>
-          <a:p>
-            <a:pPr marL="12700" marR="5080">
-              <a:lnSpc>
-                <a:spcPct val="103299"/>
-              </a:lnSpc>
-              <a:spcBef>
-                <a:spcPts val="50"/>
-              </a:spcBef>
-              <a:defRPr/>
-            </a:pPr>
-            <a:r>
+              <a:t>группы</a:t>
+            </a:r>
+            <a:br>
               <a:rPr lang="ru-RU" sz="2000" spc="-5" dirty="0" smtClean="0">
                 <a:latin typeface="SBSansText-Light"/>
                 <a:cs typeface="SBSansText-Light"/>
               </a:rPr>
-              <a:t>разработчиков</a:t>
+            </a:br>
+            <a:r>
+              <a:rPr lang="ru-RU" sz="2000" spc="-5" dirty="0" smtClean="0">
+                <a:latin typeface="SBSansText-Light"/>
+                <a:cs typeface="SBSansText-Light"/>
+              </a:rPr>
+              <a:t>разработчиков.</a:t>
             </a:r>
             <a:endParaRPr lang="ru-RU" sz="2000" spc="-5" dirty="0">
               <a:latin typeface="SBSansText-Light"/>
@@ -13645,8 +13563,8 @@
         </p:nvSpPr>
         <p:spPr>
           <a:xfrm>
-            <a:off x="7770272" y="6014229"/>
-            <a:ext cx="3600400" cy="707886"/>
+            <a:off x="6647205" y="4887048"/>
+            <a:ext cx="3600400" cy="739177"/>
           </a:xfrm>
           <a:prstGeom prst="rect">
             <a:avLst/>
@@ -13659,68 +13577,62 @@
           </a:bodyPr>
           <a:lstStyle/>
           <a:p>
-            <a:pPr lvl="0" defTabSz="360000">
-              <a:defRPr/>
-            </a:pPr>
-            <a:r>
-              <a:rPr lang="en-US" sz="2000" dirty="0" smtClean="0">
-                <a:solidFill>
-                  <a:srgbClr val="333F48"/>
-                </a:solidFill>
-                <a:latin typeface="SB Sans Text Light"/>
-                <a:cs typeface="SB Sans Text Light"/>
+            <a:pPr marL="12700" marR="5080" lvl="0">
+              <a:lnSpc>
+                <a:spcPct val="103299"/>
+              </a:lnSpc>
+              <a:spcBef>
+                <a:spcPts val="50"/>
+              </a:spcBef>
+              <a:defRPr/>
+            </a:pPr>
+            <a:r>
+              <a:rPr lang="en-US" sz="2000" spc="-5" dirty="0">
+                <a:latin typeface="SBSansText-Light"/>
+                <a:cs typeface="SBSansText-Light"/>
               </a:rPr>
               <a:t>Email</a:t>
             </a:r>
             <a:r>
-              <a:rPr lang="ru-RU" sz="2000" dirty="0" smtClean="0">
-                <a:solidFill>
-                  <a:srgbClr val="333F48"/>
-                </a:solidFill>
-                <a:latin typeface="SB Sans Text Light"/>
-                <a:cs typeface="SB Sans Text Light"/>
+              <a:rPr lang="ru-RU" sz="2000" spc="-5" dirty="0">
+                <a:latin typeface="SBSansText-Light"/>
+                <a:cs typeface="SBSansText-Light"/>
               </a:rPr>
               <a:t>: </a:t>
             </a:r>
             <a:r>
-              <a:rPr lang="en-US" sz="2000" dirty="0" smtClean="0">
-                <a:solidFill>
-                  <a:srgbClr val="333F48"/>
-                </a:solidFill>
-                <a:latin typeface="SB Sans Text Light"/>
-                <a:cs typeface="SB Sans Text Light"/>
+              <a:rPr lang="en-US" sz="2000" spc="-5" dirty="0">
+                <a:latin typeface="SBSansText-Light"/>
+                <a:cs typeface="SBSansText-Light"/>
               </a:rPr>
               <a:t>fil931@gmail.com</a:t>
             </a:r>
-            <a:endParaRPr lang="ru-RU" sz="2000" dirty="0" smtClean="0">
-              <a:solidFill>
-                <a:srgbClr val="333F48"/>
-              </a:solidFill>
-              <a:latin typeface="SB Sans Text Light"/>
-              <a:cs typeface="SB Sans Text Light"/>
+            <a:endParaRPr lang="ru-RU" sz="2000" spc="-5" dirty="0">
+              <a:latin typeface="SBSansText-Light"/>
+              <a:cs typeface="SBSansText-Light"/>
             </a:endParaRPr>
           </a:p>
           <a:p>
-            <a:pPr lvl="0" defTabSz="360000">
-              <a:defRPr/>
-            </a:pPr>
-            <a:r>
-              <a:rPr lang="en-US" sz="2000" dirty="0" smtClean="0">
-                <a:solidFill>
-                  <a:srgbClr val="333F48"/>
-                </a:solidFill>
-                <a:latin typeface="SB Sans Text Light"/>
-                <a:cs typeface="SB Sans Text Light"/>
+            <a:pPr marL="12700" marR="5080" lvl="0">
+              <a:lnSpc>
+                <a:spcPct val="103299"/>
+              </a:lnSpc>
+              <a:spcBef>
+                <a:spcPts val="50"/>
+              </a:spcBef>
+              <a:defRPr/>
+            </a:pPr>
+            <a:r>
+              <a:rPr lang="en-US" sz="2000" spc="-5" dirty="0">
+                <a:latin typeface="SBSansText-Light"/>
+                <a:cs typeface="SBSansText-Light"/>
               </a:rPr>
               <a:t>Mob</a:t>
             </a:r>
             <a:r>
-              <a:rPr lang="ru-RU" sz="2000" dirty="0">
-                <a:solidFill>
-                  <a:srgbClr val="333F48"/>
-                </a:solidFill>
-                <a:latin typeface="SB Sans Text Light"/>
-                <a:cs typeface="SB Sans Text Light"/>
+              <a:rPr lang="ru-RU" sz="2000" spc="-5" dirty="0">
+                <a:latin typeface="SBSansText-Light"/>
+                <a:cs typeface="SBSansText-Light"/>
               </a:rPr>
               <a:t>: + 7-988-899-13-24</a:t>
             </a:r>
@@ -13748,7 +13660,7 @@
         </p:blipFill>
         <p:spPr bwMode="auto">
           <a:xfrm rot="16199999">
-            <a:off x="6617804" y="5503762"/>
+            <a:off x="5494737" y="4376581"/>
             <a:ext cx="1214224" cy="1270501"/>
           </a:xfrm>
           <a:prstGeom prst="rect">
@@ -13772,7 +13684,7 @@
         </p:nvSpPr>
         <p:spPr bwMode="auto">
           <a:xfrm>
-            <a:off x="6955376" y="4888572"/>
+            <a:off x="764454" y="5403804"/>
             <a:ext cx="1374507" cy="1015663"/>
           </a:xfrm>
           <a:prstGeom prst="rect">
@@ -13874,8 +13786,8 @@
         </p:nvSpPr>
         <p:spPr bwMode="auto">
           <a:xfrm>
-            <a:off x="7968208" y="5111839"/>
-            <a:ext cx="3888432" cy="640432"/>
+            <a:off x="1777286" y="5627071"/>
+            <a:ext cx="3238595" cy="640432"/>
           </a:xfrm>
           <a:prstGeom prst="rect">
             <a:avLst/>
@@ -13908,14 +13820,7 @@
                 <a:latin typeface="SBSansText-Light"/>
                 <a:cs typeface="SBSansText-Light"/>
               </a:rPr>
-              <a:t>стаж (</a:t>
-            </a:r>
-            <a:r>
-              <a:rPr lang="ru-RU" sz="2000" spc="-5" dirty="0" smtClean="0">
-                <a:latin typeface="SBSansText-Light"/>
-                <a:cs typeface="SBSansText-Light"/>
-              </a:rPr>
-              <a:t>инженер-разработчик)</a:t>
+              <a:t>стаж (инженер-разработчик)</a:t>
             </a:r>
             <a:endParaRPr lang="ru-RU" sz="2000" spc="-5" dirty="0">
               <a:latin typeface="SBSansText-Light"/>
@@ -13924,91 +13829,36 @@
           </a:p>
         </p:txBody>
       </p:sp>
-      <p:sp>
-        <p:nvSpPr>
-          <p:cNvPr id="2" name="Прямоугольник 1"/>
-          <p:cNvSpPr/>
+      <p:pic>
+        <p:nvPicPr>
+          <p:cNvPr id="3" name="Рисунок 2"/>
+          <p:cNvPicPr>
+            <a:picLocks noChangeAspect="1"/>
+          </p:cNvPicPr>
           <p:nvPr/>
-        </p:nvSpPr>
+        </p:nvPicPr>
+        <p:blipFill>
+          <a:blip r:embed="rId6" cstate="print">
+            <a:extLst>
+              <a:ext uri="{28A0092B-C50C-407E-A947-70E740481C1C}">
+                <a14:useLocalDpi xmlns:a14="http://schemas.microsoft.com/office/drawing/2010/main" val="0"/>
+              </a:ext>
+            </a:extLst>
+          </a:blip>
+          <a:stretch>
+            <a:fillRect/>
+          </a:stretch>
+        </p:blipFill>
         <p:spPr>
-          <a:xfrm rot="19436234">
-            <a:off x="1429651" y="2242456"/>
-            <a:ext cx="3224149" cy="1323439"/>
+          <a:xfrm>
+            <a:off x="2040738" y="1153178"/>
+            <a:ext cx="1963537" cy="2524548"/>
           </a:xfrm>
           <a:prstGeom prst="rect">
             <a:avLst/>
           </a:prstGeom>
-          <a:noFill/>
         </p:spPr>
-        <p:txBody>
-          <a:bodyPr wrap="square" lIns="91440" tIns="45720" rIns="91440" bIns="45720">
-            <a:spAutoFit/>
-          </a:bodyPr>
-          <a:lstStyle/>
-          <a:p>
-            <a:pPr algn="ctr"/>
-            <a:r>
-              <a:rPr lang="ru-RU" sz="8000" b="1" cap="none" spc="0" dirty="0" smtClean="0">
-                <a:ln w="12700">
-                  <a:solidFill>
-                    <a:schemeClr val="accent3">
-                      <a:lumMod val="50000"/>
-                    </a:schemeClr>
-                  </a:solidFill>
-                  <a:prstDash val="solid"/>
-                </a:ln>
-                <a:pattFill prst="narHorz">
-                  <a:fgClr>
-                    <a:schemeClr val="accent3"/>
-                  </a:fgClr>
-                  <a:bgClr>
-                    <a:schemeClr val="accent3">
-                      <a:lumMod val="40000"/>
-                      <a:lumOff val="60000"/>
-                    </a:schemeClr>
-                  </a:bgClr>
-                </a:pattFill>
-                <a:effectLst>
-                  <a:innerShdw blurRad="177800">
-                    <a:schemeClr val="accent3">
-                      <a:lumMod val="50000"/>
-                    </a:schemeClr>
-                  </a:innerShdw>
-                </a:effectLst>
-              </a:rPr>
-              <a:t>ФОТО</a:t>
-            </a:r>
-            <a:endParaRPr lang="ru-RU" sz="8000" b="1" cap="none" spc="0" dirty="0">
-              <a:ln w="12700">
-                <a:solidFill>
-                  <a:schemeClr val="accent3">
-                    <a:lumMod val="50000"/>
-                  </a:schemeClr>
-                </a:solidFill>
-                <a:prstDash val="solid"/>
-              </a:ln>
-              <a:pattFill prst="narHorz">
-                <a:fgClr>
-                  <a:schemeClr val="accent3"/>
-                </a:fgClr>
-                <a:bgClr>
-                  <a:schemeClr val="accent3">
-                    <a:lumMod val="40000"/>
-                    <a:lumOff val="60000"/>
-                  </a:schemeClr>
-                </a:bgClr>
-              </a:pattFill>
-              <a:effectLst>
-                <a:innerShdw blurRad="177800">
-                  <a:schemeClr val="accent3">
-                    <a:lumMod val="50000"/>
-                  </a:schemeClr>
-                </a:innerShdw>
-              </a:effectLst>
-            </a:endParaRPr>
-          </a:p>
-        </p:txBody>
-      </p:sp>
+      </p:pic>
     </p:spTree>
   </p:cSld>
   <p:clrMapOvr>
@@ -14079,7 +13929,7 @@
             </a:lvl1pPr>
           </a:lstStyle>
           <a:p>
-            <a:pPr>
+            <a:pPr algn="ctr">
               <a:defRPr/>
             </a:pPr>
             <a:r>
@@ -14099,199 +13949,6 @@
               <a:t>во ФГУП «РНИИРС»</a:t>
             </a:r>
             <a:endParaRPr lang="ru-RU" sz="1600" dirty="0"/>
-          </a:p>
-        </p:txBody>
-      </p:sp>
-      <p:sp>
-        <p:nvSpPr>
-          <p:cNvPr id="41" name="object 4">
-            <a:extLst>
-              <a:ext uri="{FF2B5EF4-FFF2-40B4-BE49-F238E27FC236}">
-                <a16:creationId xmlns:a16="http://schemas.microsoft.com/office/drawing/2014/main" id="{0185576A-0A39-4C7A-B15A-6776F7BBF1ED}"/>
-              </a:ext>
-            </a:extLst>
-          </p:cNvPr>
-          <p:cNvSpPr/>
-          <p:nvPr/>
-        </p:nvSpPr>
-        <p:spPr bwMode="auto">
-          <a:xfrm>
-            <a:off x="6113886" y="840646"/>
-            <a:ext cx="5029199" cy="5496447"/>
-          </a:xfrm>
-          <a:custGeom>
-            <a:avLst/>
-            <a:gdLst/>
-            <a:ahLst/>
-            <a:cxnLst/>
-            <a:rect l="l" t="t" r="r" b="b"/>
-            <a:pathLst>
-              <a:path w="3846195" h="3797300" extrusionOk="0">
-                <a:moveTo>
-                  <a:pt x="3537864" y="0"/>
-                </a:moveTo>
-                <a:lnTo>
-                  <a:pt x="308000" y="0"/>
-                </a:lnTo>
-                <a:lnTo>
-                  <a:pt x="262486" y="3339"/>
-                </a:lnTo>
-                <a:lnTo>
-                  <a:pt x="219045" y="13040"/>
-                </a:lnTo>
-                <a:lnTo>
-                  <a:pt x="178155" y="28626"/>
-                </a:lnTo>
-                <a:lnTo>
-                  <a:pt x="140291" y="49620"/>
-                </a:lnTo>
-                <a:lnTo>
-                  <a:pt x="105929" y="75547"/>
-                </a:lnTo>
-                <a:lnTo>
-                  <a:pt x="75547" y="105929"/>
-                </a:lnTo>
-                <a:lnTo>
-                  <a:pt x="49620" y="140291"/>
-                </a:lnTo>
-                <a:lnTo>
-                  <a:pt x="28626" y="178155"/>
-                </a:lnTo>
-                <a:lnTo>
-                  <a:pt x="13040" y="219045"/>
-                </a:lnTo>
-                <a:lnTo>
-                  <a:pt x="3339" y="262486"/>
-                </a:lnTo>
-                <a:lnTo>
-                  <a:pt x="0" y="308000"/>
-                </a:lnTo>
-                <a:lnTo>
-                  <a:pt x="0" y="3488804"/>
-                </a:lnTo>
-                <a:lnTo>
-                  <a:pt x="3339" y="3534318"/>
-                </a:lnTo>
-                <a:lnTo>
-                  <a:pt x="13040" y="3577758"/>
-                </a:lnTo>
-                <a:lnTo>
-                  <a:pt x="28626" y="3618649"/>
-                </a:lnTo>
-                <a:lnTo>
-                  <a:pt x="49620" y="3656513"/>
-                </a:lnTo>
-                <a:lnTo>
-                  <a:pt x="75547" y="3690875"/>
-                </a:lnTo>
-                <a:lnTo>
-                  <a:pt x="105929" y="3721257"/>
-                </a:lnTo>
-                <a:lnTo>
-                  <a:pt x="140291" y="3747183"/>
-                </a:lnTo>
-                <a:lnTo>
-                  <a:pt x="178155" y="3768178"/>
-                </a:lnTo>
-                <a:lnTo>
-                  <a:pt x="219045" y="3783764"/>
-                </a:lnTo>
-                <a:lnTo>
-                  <a:pt x="262486" y="3793465"/>
-                </a:lnTo>
-                <a:lnTo>
-                  <a:pt x="308000" y="3796804"/>
-                </a:lnTo>
-                <a:lnTo>
-                  <a:pt x="3537864" y="3796804"/>
-                </a:lnTo>
-                <a:lnTo>
-                  <a:pt x="3583378" y="3793465"/>
-                </a:lnTo>
-                <a:lnTo>
-                  <a:pt x="3626818" y="3783764"/>
-                </a:lnTo>
-                <a:lnTo>
-                  <a:pt x="3667709" y="3768178"/>
-                </a:lnTo>
-                <a:lnTo>
-                  <a:pt x="3705573" y="3747183"/>
-                </a:lnTo>
-                <a:lnTo>
-                  <a:pt x="3739935" y="3721257"/>
-                </a:lnTo>
-                <a:lnTo>
-                  <a:pt x="3770317" y="3690875"/>
-                </a:lnTo>
-                <a:lnTo>
-                  <a:pt x="3796244" y="3656513"/>
-                </a:lnTo>
-                <a:lnTo>
-                  <a:pt x="3817238" y="3618649"/>
-                </a:lnTo>
-                <a:lnTo>
-                  <a:pt x="3832824" y="3577758"/>
-                </a:lnTo>
-                <a:lnTo>
-                  <a:pt x="3842525" y="3534318"/>
-                </a:lnTo>
-                <a:lnTo>
-                  <a:pt x="3845864" y="3488804"/>
-                </a:lnTo>
-                <a:lnTo>
-                  <a:pt x="3845864" y="308000"/>
-                </a:lnTo>
-                <a:lnTo>
-                  <a:pt x="3842525" y="262486"/>
-                </a:lnTo>
-                <a:lnTo>
-                  <a:pt x="3832824" y="219045"/>
-                </a:lnTo>
-                <a:lnTo>
-                  <a:pt x="3817238" y="178155"/>
-                </a:lnTo>
-                <a:lnTo>
-                  <a:pt x="3796244" y="140291"/>
-                </a:lnTo>
-                <a:lnTo>
-                  <a:pt x="3770317" y="105929"/>
-                </a:lnTo>
-                <a:lnTo>
-                  <a:pt x="3739935" y="75547"/>
-                </a:lnTo>
-                <a:lnTo>
-                  <a:pt x="3705573" y="49620"/>
-                </a:lnTo>
-                <a:lnTo>
-                  <a:pt x="3667709" y="28626"/>
-                </a:lnTo>
-                <a:lnTo>
-                  <a:pt x="3626818" y="13040"/>
-                </a:lnTo>
-                <a:lnTo>
-                  <a:pt x="3583378" y="3339"/>
-                </a:lnTo>
-                <a:lnTo>
-                  <a:pt x="3537864" y="0"/>
-                </a:lnTo>
-                <a:close/>
-              </a:path>
-            </a:pathLst>
-          </a:custGeom>
-          <a:solidFill>
-            <a:srgbClr val="FFFFFF">
-              <a:alpha val="79998"/>
-            </a:srgbClr>
-          </a:solidFill>
-        </p:spPr>
-        <p:txBody>
-          <a:bodyPr wrap="square" lIns="0" tIns="0" rIns="0" bIns="0" rtlCol="0"/>
-          <a:lstStyle/>
-          <a:p>
-            <a:pPr>
-              <a:defRPr/>
-            </a:pPr>
-            <a:endParaRPr/>
           </a:p>
         </p:txBody>
       </p:sp>
@@ -14523,7 +14180,7 @@
         <p:spPr bwMode="auto">
           <a:xfrm>
             <a:off x="742076" y="2477214"/>
-            <a:ext cx="10297144" cy="311880"/>
+            <a:ext cx="10297144" cy="323422"/>
           </a:xfrm>
           <a:prstGeom prst="rect">
             <a:avLst/>
@@ -14552,7 +14209,37 @@
                 <a:latin typeface="+mj-lt"/>
                 <a:cs typeface="SBSansText-Light"/>
               </a:rPr>
-              <a:t>Руководитель группы разработчиков</a:t>
+              <a:t>Руководитель группы </a:t>
+            </a:r>
+            <a:r>
+              <a:rPr lang="ru-RU" sz="2000" dirty="0" smtClean="0">
+                <a:solidFill>
+                  <a:srgbClr val="404040"/>
+                </a:solidFill>
+                <a:latin typeface="+mj-lt"/>
+                <a:cs typeface="SBSansText-Light"/>
+              </a:rPr>
+              <a:t>разработчиков ( 2021 – </a:t>
+            </a:r>
+            <a:r>
+              <a:rPr lang="ru-RU" sz="2000" dirty="0" err="1" smtClean="0">
+                <a:solidFill>
+                  <a:srgbClr val="404040"/>
+                </a:solidFill>
+                <a:latin typeface="+mj-lt"/>
+                <a:cs typeface="SBSansText-Light"/>
+              </a:rPr>
+              <a:t>н.в</a:t>
+            </a:r>
+            <a:r>
+              <a:rPr lang="ru-RU" sz="2000" dirty="0" smtClean="0">
+                <a:solidFill>
+                  <a:srgbClr val="404040"/>
+                </a:solidFill>
+                <a:latin typeface="+mj-lt"/>
+                <a:cs typeface="SBSansText-Light"/>
+              </a:rPr>
+              <a:t>.)</a:t>
             </a:r>
             <a:endParaRPr sz="2000" dirty="0">
               <a:latin typeface="+mj-lt"/>
@@ -15085,6 +14772,7 @@
           <a:prstGeom prst="rect">
             <a:avLst/>
           </a:prstGeom>
+          <a:noFill/>
         </p:spPr>
         <p:txBody>
           <a:bodyPr lIns="0" tIns="0" rIns="0" bIns="0"/>
@@ -15367,7 +15055,7 @@
         <p:spPr bwMode="auto">
           <a:xfrm>
             <a:off x="742076" y="1874016"/>
-            <a:ext cx="10297144" cy="311880"/>
+            <a:ext cx="10297144" cy="323422"/>
           </a:xfrm>
           <a:prstGeom prst="rect">
             <a:avLst/>
@@ -15406,7 +15094,17 @@
                 <a:latin typeface="+mj-lt"/>
                 <a:cs typeface="SBSansText-Light"/>
               </a:rPr>
-              <a:t>специалист (2014 – 2021)</a:t>
+              <a:t>инженер </a:t>
+            </a:r>
+            <a:r>
+              <a:rPr lang="ru-RU" sz="2000" dirty="0" smtClean="0">
+                <a:solidFill>
+                  <a:srgbClr val="404040"/>
+                </a:solidFill>
+                <a:latin typeface="+mj-lt"/>
+                <a:cs typeface="SBSansText-Light"/>
+              </a:rPr>
+              <a:t>(2014 – 2021)</a:t>
             </a:r>
             <a:endParaRPr sz="2000" dirty="0">
               <a:latin typeface="+mj-lt"/>
@@ -15822,7 +15520,7 @@
           <a:graphicData uri="http://schemas.openxmlformats.org/presentationml/2006/ole">
             <mc:AlternateContent xmlns:mc="http://schemas.openxmlformats.org/markup-compatibility/2006">
               <mc:Choice xmlns:v="urn:schemas-microsoft-com:vml" Requires="v">
-                <p:oleObj spid="_x0000_s1028" name="Visio" r:id="rId5" imgW="7934285" imgH="3333892" progId="Visio.Drawing.15">
+                <p:oleObj spid="_x0000_s1030" name="Visio" r:id="rId5" imgW="7934285" imgH="3333892" progId="Visio.Drawing.15">
                   <p:embed/>
                 </p:oleObj>
               </mc:Choice>
@@ -16133,7 +15831,7 @@
           <a:graphicData uri="http://schemas.openxmlformats.org/presentationml/2006/ole">
             <mc:AlternateContent xmlns:mc="http://schemas.openxmlformats.org/markup-compatibility/2006">
               <mc:Choice xmlns:v="urn:schemas-microsoft-com:vml" Requires="v">
-                <p:oleObj spid="_x0000_s2052" name="Visio" r:id="rId5" imgW="4324227" imgH="2914766" progId="Visio.Drawing.15">
+                <p:oleObj spid="_x0000_s2054" name="Visio" r:id="rId5" imgW="4324227" imgH="2914766" progId="Visio.Drawing.15">
                   <p:embed/>
                 </p:oleObj>
               </mc:Choice>
